--- a/inna/Занятие1/Занятие 1.pptx
+++ b/inna/Занятие1/Занятие 1.pptx
@@ -129,7 +129,7 @@
   </p:defaultTextStyle>
   <p:extLst>
     <p:ext uri="{EFAFB233-063F-42B5-8137-9DF3F51BA10A}">
-      <p15:sldGuideLst xmlns:p15="http://schemas.microsoft.com/office/powerpoint/2012/main" xmlns="">
+      <p15:sldGuideLst xmlns="" xmlns:p15="http://schemas.microsoft.com/office/powerpoint/2012/main">
         <p15:guide id="1" orient="horz" pos="2160">
           <p15:clr>
             <a:srgbClr val="A4A3A4"/>
@@ -229,7 +229,7 @@
             <a:fld id="{7FCDCAFE-ED6D-40DE-BB2A-6C2FAE0E1B23}" type="datetimeFigureOut">
               <a:rPr lang="en-US" smtClean="0"/>
               <a:pPr/>
-              <a:t>12-Jan-15</a:t>
+              <a:t>09-Feb-15</a:t>
             </a:fld>
             <a:endParaRPr lang="en-US"/>
           </a:p>
@@ -398,7 +398,7 @@
     </p:spTree>
     <p:extLst>
       <p:ext uri="{BB962C8B-B14F-4D97-AF65-F5344CB8AC3E}">
-        <p14:creationId xmlns:p14="http://schemas.microsoft.com/office/powerpoint/2010/main" xmlns="" val="616035265"/>
+        <p14:creationId xmlns="" xmlns:p14="http://schemas.microsoft.com/office/powerpoint/2010/main" val="616035265"/>
       </p:ext>
     </p:extLst>
   </p:cSld>
@@ -3885,7 +3885,7 @@
             <a:fld id="{1D8BD707-D9CF-40AE-B4C6-C98DA3205C09}" type="datetimeFigureOut">
               <a:rPr lang="en-US" smtClean="0"/>
               <a:pPr/>
-              <a:t>12-Jan-15</a:t>
+              <a:t>09-Feb-15</a:t>
             </a:fld>
             <a:endParaRPr lang="en-US"/>
           </a:p>
@@ -4052,7 +4052,7 @@
             <a:fld id="{1D8BD707-D9CF-40AE-B4C6-C98DA3205C09}" type="datetimeFigureOut">
               <a:rPr lang="en-US" smtClean="0"/>
               <a:pPr/>
-              <a:t>12-Jan-15</a:t>
+              <a:t>09-Feb-15</a:t>
             </a:fld>
             <a:endParaRPr lang="en-US"/>
           </a:p>
@@ -4229,7 +4229,7 @@
             <a:fld id="{1D8BD707-D9CF-40AE-B4C6-C98DA3205C09}" type="datetimeFigureOut">
               <a:rPr lang="en-US" smtClean="0"/>
               <a:pPr/>
-              <a:t>12-Jan-15</a:t>
+              <a:t>09-Feb-15</a:t>
             </a:fld>
             <a:endParaRPr lang="en-US"/>
           </a:p>
@@ -4396,7 +4396,7 @@
             <a:fld id="{1D8BD707-D9CF-40AE-B4C6-C98DA3205C09}" type="datetimeFigureOut">
               <a:rPr lang="en-US" smtClean="0"/>
               <a:pPr/>
-              <a:t>12-Jan-15</a:t>
+              <a:t>09-Feb-15</a:t>
             </a:fld>
             <a:endParaRPr lang="en-US"/>
           </a:p>
@@ -4639,7 +4639,7 @@
             <a:fld id="{1D8BD707-D9CF-40AE-B4C6-C98DA3205C09}" type="datetimeFigureOut">
               <a:rPr lang="en-US" smtClean="0"/>
               <a:pPr/>
-              <a:t>12-Jan-15</a:t>
+              <a:t>09-Feb-15</a:t>
             </a:fld>
             <a:endParaRPr lang="en-US"/>
           </a:p>
@@ -4924,7 +4924,7 @@
             <a:fld id="{1D8BD707-D9CF-40AE-B4C6-C98DA3205C09}" type="datetimeFigureOut">
               <a:rPr lang="en-US" smtClean="0"/>
               <a:pPr/>
-              <a:t>12-Jan-15</a:t>
+              <a:t>09-Feb-15</a:t>
             </a:fld>
             <a:endParaRPr lang="en-US"/>
           </a:p>
@@ -5343,7 +5343,7 @@
             <a:fld id="{1D8BD707-D9CF-40AE-B4C6-C98DA3205C09}" type="datetimeFigureOut">
               <a:rPr lang="en-US" smtClean="0"/>
               <a:pPr/>
-              <a:t>12-Jan-15</a:t>
+              <a:t>09-Feb-15</a:t>
             </a:fld>
             <a:endParaRPr lang="en-US"/>
           </a:p>
@@ -5458,7 +5458,7 @@
             <a:fld id="{1D8BD707-D9CF-40AE-B4C6-C98DA3205C09}" type="datetimeFigureOut">
               <a:rPr lang="en-US" smtClean="0"/>
               <a:pPr/>
-              <a:t>12-Jan-15</a:t>
+              <a:t>09-Feb-15</a:t>
             </a:fld>
             <a:endParaRPr lang="en-US"/>
           </a:p>
@@ -5550,7 +5550,7 @@
             <a:fld id="{1D8BD707-D9CF-40AE-B4C6-C98DA3205C09}" type="datetimeFigureOut">
               <a:rPr lang="en-US" smtClean="0"/>
               <a:pPr/>
-              <a:t>12-Jan-15</a:t>
+              <a:t>09-Feb-15</a:t>
             </a:fld>
             <a:endParaRPr lang="en-US"/>
           </a:p>
@@ -5824,7 +5824,7 @@
             <a:fld id="{1D8BD707-D9CF-40AE-B4C6-C98DA3205C09}" type="datetimeFigureOut">
               <a:rPr lang="en-US" smtClean="0"/>
               <a:pPr/>
-              <a:t>12-Jan-15</a:t>
+              <a:t>09-Feb-15</a:t>
             </a:fld>
             <a:endParaRPr lang="en-US"/>
           </a:p>
@@ -6074,7 +6074,7 @@
             <a:fld id="{1D8BD707-D9CF-40AE-B4C6-C98DA3205C09}" type="datetimeFigureOut">
               <a:rPr lang="en-US" smtClean="0"/>
               <a:pPr/>
-              <a:t>12-Jan-15</a:t>
+              <a:t>09-Feb-15</a:t>
             </a:fld>
             <a:endParaRPr lang="en-US"/>
           </a:p>
@@ -6293,7 +6293,7 @@
             <a:fld id="{1D8BD707-D9CF-40AE-B4C6-C98DA3205C09}" type="datetimeFigureOut">
               <a:rPr lang="en-US" smtClean="0"/>
               <a:pPr/>
-              <a:t>12-Jan-15</a:t>
+              <a:t>09-Feb-15</a:t>
             </a:fld>
             <a:endParaRPr lang="en-US"/>
           </a:p>
@@ -6799,7 +6799,7 @@
     </p:spTree>
     <p:extLst>
       <p:ext uri="{BB962C8B-B14F-4D97-AF65-F5344CB8AC3E}">
-        <p14:creationId xmlns:p14="http://schemas.microsoft.com/office/powerpoint/2010/main" xmlns="" val="1766645597"/>
+        <p14:creationId xmlns="" xmlns:p14="http://schemas.microsoft.com/office/powerpoint/2010/main" val="1766645597"/>
       </p:ext>
     </p:extLst>
   </p:cSld>
@@ -7251,7 +7251,7 @@
     </p:spTree>
     <p:extLst>
       <p:ext uri="{BB962C8B-B14F-4D97-AF65-F5344CB8AC3E}">
-        <p14:creationId xmlns:p14="http://schemas.microsoft.com/office/powerpoint/2010/main" xmlns="" val="4060775951"/>
+        <p14:creationId xmlns="" xmlns:p14="http://schemas.microsoft.com/office/powerpoint/2010/main" val="4060775951"/>
       </p:ext>
     </p:extLst>
   </p:cSld>
@@ -7259,7 +7259,7 @@
     <a:masterClrMapping/>
   </p:clrMapOvr>
   <mc:AlternateContent xmlns:mc="http://schemas.openxmlformats.org/markup-compatibility/2006">
-    <mc:Choice xmlns:p14="http://schemas.microsoft.com/office/powerpoint/2010/main" xmlns="" Requires="p14">
+    <mc:Choice xmlns="" xmlns:p14="http://schemas.microsoft.com/office/powerpoint/2010/main" Requires="p14">
       <p:transition spd="slow" p14:dur="2000"/>
     </mc:Choice>
     <mc:Fallback>
@@ -7654,7 +7654,7 @@
     </p:spTree>
     <p:extLst>
       <p:ext uri="{BB962C8B-B14F-4D97-AF65-F5344CB8AC3E}">
-        <p14:creationId xmlns:p14="http://schemas.microsoft.com/office/powerpoint/2010/main" xmlns="" val="4060775951"/>
+        <p14:creationId xmlns="" xmlns:p14="http://schemas.microsoft.com/office/powerpoint/2010/main" val="4060775951"/>
       </p:ext>
     </p:extLst>
   </p:cSld>
@@ -7662,7 +7662,7 @@
     <a:masterClrMapping/>
   </p:clrMapOvr>
   <mc:AlternateContent xmlns:mc="http://schemas.openxmlformats.org/markup-compatibility/2006">
-    <mc:Choice xmlns:p14="http://schemas.microsoft.com/office/powerpoint/2010/main" xmlns="" Requires="p14">
+    <mc:Choice xmlns="" xmlns:p14="http://schemas.microsoft.com/office/powerpoint/2010/main" Requires="p14">
       <p:transition spd="slow" p14:dur="2000"/>
     </mc:Choice>
     <mc:Fallback>
@@ -7907,7 +7907,7 @@
     </p:spTree>
     <p:extLst>
       <p:ext uri="{BB962C8B-B14F-4D97-AF65-F5344CB8AC3E}">
-        <p14:creationId xmlns:p14="http://schemas.microsoft.com/office/powerpoint/2010/main" xmlns="" val="4060775951"/>
+        <p14:creationId xmlns="" xmlns:p14="http://schemas.microsoft.com/office/powerpoint/2010/main" val="4060775951"/>
       </p:ext>
     </p:extLst>
   </p:cSld>
@@ -7915,7 +7915,7 @@
     <a:masterClrMapping/>
   </p:clrMapOvr>
   <mc:AlternateContent xmlns:mc="http://schemas.openxmlformats.org/markup-compatibility/2006">
-    <mc:Choice xmlns:p14="http://schemas.microsoft.com/office/powerpoint/2010/main" xmlns="" Requires="p14">
+    <mc:Choice xmlns="" xmlns:p14="http://schemas.microsoft.com/office/powerpoint/2010/main" Requires="p14">
       <p:transition spd="slow" p14:dur="2000"/>
     </mc:Choice>
     <mc:Fallback>
@@ -8507,7 +8507,7 @@
     </p:spTree>
     <p:extLst>
       <p:ext uri="{BB962C8B-B14F-4D97-AF65-F5344CB8AC3E}">
-        <p14:creationId xmlns:p14="http://schemas.microsoft.com/office/powerpoint/2010/main" xmlns="" val="4060775951"/>
+        <p14:creationId xmlns="" xmlns:p14="http://schemas.microsoft.com/office/powerpoint/2010/main" val="4060775951"/>
       </p:ext>
     </p:extLst>
   </p:cSld>
@@ -8515,7 +8515,7 @@
     <a:masterClrMapping/>
   </p:clrMapOvr>
   <mc:AlternateContent xmlns:mc="http://schemas.openxmlformats.org/markup-compatibility/2006">
-    <mc:Choice xmlns:p14="http://schemas.microsoft.com/office/powerpoint/2010/main" xmlns="" Requires="p14">
+    <mc:Choice xmlns="" xmlns:p14="http://schemas.microsoft.com/office/powerpoint/2010/main" Requires="p14">
       <p:transition spd="slow" p14:dur="2000"/>
     </mc:Choice>
     <mc:Fallback>
@@ -8965,7 +8965,7 @@
     </p:spTree>
     <p:extLst>
       <p:ext uri="{BB962C8B-B14F-4D97-AF65-F5344CB8AC3E}">
-        <p14:creationId xmlns:p14="http://schemas.microsoft.com/office/powerpoint/2010/main" xmlns="" val="4060775951"/>
+        <p14:creationId xmlns="" xmlns:p14="http://schemas.microsoft.com/office/powerpoint/2010/main" val="4060775951"/>
       </p:ext>
     </p:extLst>
   </p:cSld>
@@ -8973,7 +8973,7 @@
     <a:masterClrMapping/>
   </p:clrMapOvr>
   <mc:AlternateContent xmlns:mc="http://schemas.openxmlformats.org/markup-compatibility/2006">
-    <mc:Choice xmlns:p14="http://schemas.microsoft.com/office/powerpoint/2010/main" xmlns="" Requires="p14">
+    <mc:Choice xmlns="" xmlns:p14="http://schemas.microsoft.com/office/powerpoint/2010/main" Requires="p14">
       <p:transition spd="slow" p14:dur="2000"/>
     </mc:Choice>
     <mc:Fallback>
@@ -9218,7 +9218,7 @@
     </p:spTree>
     <p:extLst>
       <p:ext uri="{BB962C8B-B14F-4D97-AF65-F5344CB8AC3E}">
-        <p14:creationId xmlns:p14="http://schemas.microsoft.com/office/powerpoint/2010/main" xmlns="" val="4060775951"/>
+        <p14:creationId xmlns="" xmlns:p14="http://schemas.microsoft.com/office/powerpoint/2010/main" val="4060775951"/>
       </p:ext>
     </p:extLst>
   </p:cSld>
@@ -9226,7 +9226,7 @@
     <a:masterClrMapping/>
   </p:clrMapOvr>
   <mc:AlternateContent xmlns:mc="http://schemas.openxmlformats.org/markup-compatibility/2006">
-    <mc:Choice xmlns:p14="http://schemas.microsoft.com/office/powerpoint/2010/main" xmlns="" Requires="p14">
+    <mc:Choice xmlns="" xmlns:p14="http://schemas.microsoft.com/office/powerpoint/2010/main" Requires="p14">
       <p:transition spd="slow" p14:dur="2000"/>
     </mc:Choice>
     <mc:Fallback>
@@ -9479,7 +9479,7 @@
     </p:spTree>
     <p:extLst>
       <p:ext uri="{BB962C8B-B14F-4D97-AF65-F5344CB8AC3E}">
-        <p14:creationId xmlns:p14="http://schemas.microsoft.com/office/powerpoint/2010/main" xmlns="" val="4060775951"/>
+        <p14:creationId xmlns="" xmlns:p14="http://schemas.microsoft.com/office/powerpoint/2010/main" val="4060775951"/>
       </p:ext>
     </p:extLst>
   </p:cSld>
@@ -9487,7 +9487,7 @@
     <a:masterClrMapping/>
   </p:clrMapOvr>
   <mc:AlternateContent xmlns:mc="http://schemas.openxmlformats.org/markup-compatibility/2006">
-    <mc:Choice xmlns:p14="http://schemas.microsoft.com/office/powerpoint/2010/main" xmlns="" Requires="p14">
+    <mc:Choice xmlns="" xmlns:p14="http://schemas.microsoft.com/office/powerpoint/2010/main" Requires="p14">
       <p:transition spd="slow" p14:dur="2000"/>
     </mc:Choice>
     <mc:Fallback>
@@ -9894,7 +9894,7 @@
     </p:spTree>
     <p:extLst>
       <p:ext uri="{BB962C8B-B14F-4D97-AF65-F5344CB8AC3E}">
-        <p14:creationId xmlns:p14="http://schemas.microsoft.com/office/powerpoint/2010/main" xmlns="" val="4060775951"/>
+        <p14:creationId xmlns="" xmlns:p14="http://schemas.microsoft.com/office/powerpoint/2010/main" val="4060775951"/>
       </p:ext>
     </p:extLst>
   </p:cSld>
@@ -9902,7 +9902,7 @@
     <a:masterClrMapping/>
   </p:clrMapOvr>
   <mc:AlternateContent xmlns:mc="http://schemas.openxmlformats.org/markup-compatibility/2006">
-    <mc:Choice xmlns:p14="http://schemas.microsoft.com/office/powerpoint/2010/main" xmlns="" Requires="p14">
+    <mc:Choice xmlns="" xmlns:p14="http://schemas.microsoft.com/office/powerpoint/2010/main" Requires="p14">
       <p:transition spd="slow" p14:dur="2000"/>
     </mc:Choice>
     <mc:Fallback>
@@ -10309,7 +10309,7 @@
     </p:spTree>
     <p:extLst>
       <p:ext uri="{BB962C8B-B14F-4D97-AF65-F5344CB8AC3E}">
-        <p14:creationId xmlns:p14="http://schemas.microsoft.com/office/powerpoint/2010/main" xmlns="" val="4060775951"/>
+        <p14:creationId xmlns="" xmlns:p14="http://schemas.microsoft.com/office/powerpoint/2010/main" val="4060775951"/>
       </p:ext>
     </p:extLst>
   </p:cSld>
@@ -10317,7 +10317,7 @@
     <a:masterClrMapping/>
   </p:clrMapOvr>
   <mc:AlternateContent xmlns:mc="http://schemas.openxmlformats.org/markup-compatibility/2006">
-    <mc:Choice xmlns:p14="http://schemas.microsoft.com/office/powerpoint/2010/main" xmlns="" Requires="p14">
+    <mc:Choice xmlns="" xmlns:p14="http://schemas.microsoft.com/office/powerpoint/2010/main" Requires="p14">
       <p:transition spd="slow" p14:dur="2000"/>
     </mc:Choice>
     <mc:Fallback>
@@ -10752,7 +10752,7 @@
     </p:spTree>
     <p:extLst>
       <p:ext uri="{BB962C8B-B14F-4D97-AF65-F5344CB8AC3E}">
-        <p14:creationId xmlns:p14="http://schemas.microsoft.com/office/powerpoint/2010/main" xmlns="" val="4060775951"/>
+        <p14:creationId xmlns="" xmlns:p14="http://schemas.microsoft.com/office/powerpoint/2010/main" val="4060775951"/>
       </p:ext>
     </p:extLst>
   </p:cSld>
@@ -10760,7 +10760,7 @@
     <a:masterClrMapping/>
   </p:clrMapOvr>
   <mc:AlternateContent xmlns:mc="http://schemas.openxmlformats.org/markup-compatibility/2006">
-    <mc:Choice xmlns:p14="http://schemas.microsoft.com/office/powerpoint/2010/main" xmlns="" Requires="p14">
+    <mc:Choice xmlns="" xmlns:p14="http://schemas.microsoft.com/office/powerpoint/2010/main" Requires="p14">
       <p:transition spd="slow" p14:dur="2000"/>
     </mc:Choice>
     <mc:Fallback>
@@ -11050,7 +11050,7 @@
     </p:spTree>
     <p:extLst>
       <p:ext uri="{BB962C8B-B14F-4D97-AF65-F5344CB8AC3E}">
-        <p14:creationId xmlns:p14="http://schemas.microsoft.com/office/powerpoint/2010/main" xmlns="" val="3292176594"/>
+        <p14:creationId xmlns="" xmlns:p14="http://schemas.microsoft.com/office/powerpoint/2010/main" val="3292176594"/>
       </p:ext>
     </p:extLst>
   </p:cSld>
@@ -11531,7 +11531,7 @@
     </p:spTree>
     <p:extLst>
       <p:ext uri="{BB962C8B-B14F-4D97-AF65-F5344CB8AC3E}">
-        <p14:creationId xmlns:p14="http://schemas.microsoft.com/office/powerpoint/2010/main" xmlns="" val="4060775951"/>
+        <p14:creationId xmlns="" xmlns:p14="http://schemas.microsoft.com/office/powerpoint/2010/main" val="4060775951"/>
       </p:ext>
     </p:extLst>
   </p:cSld>
@@ -11539,7 +11539,7 @@
     <a:masterClrMapping/>
   </p:clrMapOvr>
   <mc:AlternateContent xmlns:mc="http://schemas.openxmlformats.org/markup-compatibility/2006">
-    <mc:Choice xmlns:p14="http://schemas.microsoft.com/office/powerpoint/2010/main" xmlns="" Requires="p14">
+    <mc:Choice xmlns="" xmlns:p14="http://schemas.microsoft.com/office/powerpoint/2010/main" Requires="p14">
       <p:transition spd="slow" p14:dur="2000"/>
     </mc:Choice>
     <mc:Fallback>
@@ -11585,7 +11585,7 @@
           <a:blip r:embed="rId3" cstate="print">
             <a:extLst>
               <a:ext uri="{28A0092B-C50C-407E-A947-70E740481C1C}">
-                <a14:useLocalDpi xmlns:a14="http://schemas.microsoft.com/office/drawing/2010/main" xmlns="" val="0"/>
+                <a14:useLocalDpi xmlns="" xmlns:a14="http://schemas.microsoft.com/office/drawing/2010/main" val="0"/>
               </a:ext>
             </a:extLst>
           </a:blip>
@@ -11605,7 +11605,7 @@
           <a:noFill/>
           <a:extLst>
             <a:ext uri="{909E8E84-426E-40DD-AFC4-6F175D3DCCD1}">
-              <a14:hiddenFill xmlns:a14="http://schemas.microsoft.com/office/drawing/2010/main" xmlns="">
+              <a14:hiddenFill xmlns="" xmlns:a14="http://schemas.microsoft.com/office/drawing/2010/main">
                 <a:solidFill>
                   <a:srgbClr val="FFFFFF"/>
                 </a:solidFill>
@@ -11835,7 +11835,7 @@
     </p:spTree>
     <p:extLst>
       <p:ext uri="{BB962C8B-B14F-4D97-AF65-F5344CB8AC3E}">
-        <p14:creationId xmlns:p14="http://schemas.microsoft.com/office/powerpoint/2010/main" xmlns="" val="3400026356"/>
+        <p14:creationId xmlns="" xmlns:p14="http://schemas.microsoft.com/office/powerpoint/2010/main" val="3400026356"/>
       </p:ext>
     </p:extLst>
   </p:cSld>
@@ -12444,7 +12444,7 @@
     </p:spTree>
     <p:extLst>
       <p:ext uri="{BB962C8B-B14F-4D97-AF65-F5344CB8AC3E}">
-        <p14:creationId xmlns:p14="http://schemas.microsoft.com/office/powerpoint/2010/main" xmlns="" val="3292176594"/>
+        <p14:creationId xmlns="" xmlns:p14="http://schemas.microsoft.com/office/powerpoint/2010/main" val="3292176594"/>
       </p:ext>
     </p:extLst>
   </p:cSld>
@@ -12704,7 +12704,7 @@
     </p:spTree>
     <p:extLst>
       <p:ext uri="{BB962C8B-B14F-4D97-AF65-F5344CB8AC3E}">
-        <p14:creationId xmlns:p14="http://schemas.microsoft.com/office/powerpoint/2010/main" xmlns="" val="3292176594"/>
+        <p14:creationId xmlns="" xmlns:p14="http://schemas.microsoft.com/office/powerpoint/2010/main" val="3292176594"/>
       </p:ext>
     </p:extLst>
   </p:cSld>
@@ -12884,7 +12884,7 @@
         <p:spPr>
           <a:xfrm>
             <a:off x="1187624" y="1340769"/>
-            <a:ext cx="6984776" cy="3970318"/>
+            <a:ext cx="6984776" cy="3693319"/>
           </a:xfrm>
           <a:prstGeom prst="rect">
             <a:avLst/>
@@ -12978,9 +12978,15 @@
               <a:rPr lang="en-US" dirty="0" smtClean="0">
                 <a:hlinkClick r:id="rId9"/>
               </a:rPr>
-              <a:t>http://forcoder.ru/testing/testirovanie-obektno-orientirovannogo-programmnogo-obespecheniya-943</a:t>
-            </a:r>
-            <a:endParaRPr lang="ru-RU" dirty="0" smtClean="0"/>
+              <a:t>http://</a:t>
+            </a:r>
+            <a:r>
+              <a:rPr lang="en-US" dirty="0" smtClean="0">
+                <a:hlinkClick r:id="rId9"/>
+              </a:rPr>
+              <a:t>padabum.com/d.php?id=16896</a:t>
+            </a:r>
+            <a:endParaRPr lang="ru-RU" smtClean="0"/>
           </a:p>
           <a:p>
             <a:endParaRPr lang="en-US" dirty="0" smtClean="0"/>
@@ -12990,7 +12996,7 @@
     </p:spTree>
     <p:extLst>
       <p:ext uri="{BB962C8B-B14F-4D97-AF65-F5344CB8AC3E}">
-        <p14:creationId xmlns:p14="http://schemas.microsoft.com/office/powerpoint/2010/main" xmlns="" val="1923330547"/>
+        <p14:creationId xmlns="" xmlns:p14="http://schemas.microsoft.com/office/powerpoint/2010/main" val="1923330547"/>
       </p:ext>
     </p:extLst>
   </p:cSld>
@@ -13117,7 +13123,7 @@
     </p:spTree>
     <p:extLst>
       <p:ext uri="{BB962C8B-B14F-4D97-AF65-F5344CB8AC3E}">
-        <p14:creationId xmlns:p14="http://schemas.microsoft.com/office/powerpoint/2010/main" xmlns="" val="1923330547"/>
+        <p14:creationId xmlns="" xmlns:p14="http://schemas.microsoft.com/office/powerpoint/2010/main" val="1923330547"/>
       </p:ext>
     </p:extLst>
   </p:cSld>
@@ -13638,7 +13644,7 @@
     </p:spTree>
     <p:extLst>
       <p:ext uri="{BB962C8B-B14F-4D97-AF65-F5344CB8AC3E}">
-        <p14:creationId xmlns:p14="http://schemas.microsoft.com/office/powerpoint/2010/main" xmlns="" val="4060775951"/>
+        <p14:creationId xmlns="" xmlns:p14="http://schemas.microsoft.com/office/powerpoint/2010/main" val="4060775951"/>
       </p:ext>
     </p:extLst>
   </p:cSld>
@@ -13646,7 +13652,7 @@
     <a:masterClrMapping/>
   </p:clrMapOvr>
   <mc:AlternateContent xmlns:mc="http://schemas.openxmlformats.org/markup-compatibility/2006">
-    <mc:Choice xmlns:p14="http://schemas.microsoft.com/office/powerpoint/2010/main" xmlns="" Requires="p14">
+    <mc:Choice xmlns="" xmlns:p14="http://schemas.microsoft.com/office/powerpoint/2010/main" Requires="p14">
       <p:transition spd="slow" p14:dur="2000"/>
     </mc:Choice>
     <mc:Fallback>
@@ -14096,7 +14102,7 @@
     </p:spTree>
     <p:extLst>
       <p:ext uri="{BB962C8B-B14F-4D97-AF65-F5344CB8AC3E}">
-        <p14:creationId xmlns:p14="http://schemas.microsoft.com/office/powerpoint/2010/main" xmlns="" val="4060775951"/>
+        <p14:creationId xmlns="" xmlns:p14="http://schemas.microsoft.com/office/powerpoint/2010/main" val="4060775951"/>
       </p:ext>
     </p:extLst>
   </p:cSld>
@@ -14104,7 +14110,7 @@
     <a:masterClrMapping/>
   </p:clrMapOvr>
   <mc:AlternateContent xmlns:mc="http://schemas.openxmlformats.org/markup-compatibility/2006">
-    <mc:Choice xmlns:p14="http://schemas.microsoft.com/office/powerpoint/2010/main" xmlns="" Requires="p14">
+    <mc:Choice xmlns="" xmlns:p14="http://schemas.microsoft.com/office/powerpoint/2010/main" Requires="p14">
       <p:transition spd="slow" p14:dur="2000"/>
     </mc:Choice>
     <mc:Fallback>
@@ -14580,7 +14586,7 @@
     </p:spTree>
     <p:extLst>
       <p:ext uri="{BB962C8B-B14F-4D97-AF65-F5344CB8AC3E}">
-        <p14:creationId xmlns:p14="http://schemas.microsoft.com/office/powerpoint/2010/main" xmlns="" val="4060775951"/>
+        <p14:creationId xmlns="" xmlns:p14="http://schemas.microsoft.com/office/powerpoint/2010/main" val="4060775951"/>
       </p:ext>
     </p:extLst>
   </p:cSld>
@@ -14588,7 +14594,7 @@
     <a:masterClrMapping/>
   </p:clrMapOvr>
   <mc:AlternateContent xmlns:mc="http://schemas.openxmlformats.org/markup-compatibility/2006">
-    <mc:Choice xmlns:p14="http://schemas.microsoft.com/office/powerpoint/2010/main" xmlns="" Requires="p14">
+    <mc:Choice xmlns="" xmlns:p14="http://schemas.microsoft.com/office/powerpoint/2010/main" Requires="p14">
       <p:transition spd="slow" p14:dur="2000"/>
     </mc:Choice>
     <mc:Fallback>
